--- a/Lecture_13_Hamiltonian Circuit.pptx
+++ b/Lecture_13_Hamiltonian Circuit.pptx
@@ -5,7 +5,7 @@
     <p:sldMasterId id="2147483684" r:id="rId1"/>
   </p:sldMasterIdLst>
   <p:notesMasterIdLst>
-    <p:notesMasterId r:id="rId9"/>
+    <p:notesMasterId r:id="rId11"/>
   </p:notesMasterIdLst>
   <p:sldIdLst>
     <p:sldId id="451" r:id="rId2"/>
@@ -15,6 +15,8 @@
     <p:sldId id="811" r:id="rId6"/>
     <p:sldId id="812" r:id="rId7"/>
     <p:sldId id="813" r:id="rId8"/>
+    <p:sldId id="814" r:id="rId9"/>
+    <p:sldId id="815" r:id="rId10"/>
   </p:sldIdLst>
   <p:sldSz cx="12192000" cy="6858000"/>
   <p:notesSz cx="6858000" cy="9144000"/>
@@ -115,7 +117,7 @@
   </p:defaultTextStyle>
   <p:extLst>
     <p:ext uri="{EFAFB233-063F-42B5-8137-9DF3F51BA10A}">
-      <p15:sldGuideLst xmlns:p15="http://schemas.microsoft.com/office/powerpoint/2012/main" xmlns="">
+      <p15:sldGuideLst xmlns:p15="http://schemas.microsoft.com/office/powerpoint/2012/main">
         <p15:guide id="1" orient="horz" pos="2160" userDrawn="1">
           <p15:clr>
             <a:srgbClr val="A4A3A4"/>
@@ -215,7 +217,7 @@
             <a:fld id="{070A5A99-66FA-47C7-A21F-90047F26158E}" type="datetimeFigureOut">
               <a:rPr lang="en-IN" smtClean="0"/>
               <a:pPr/>
-              <a:t>11-12-2020</a:t>
+              <a:t>23-11-2022</a:t>
             </a:fld>
             <a:endParaRPr lang="en-IN"/>
           </a:p>
@@ -384,7 +386,7 @@
     </p:spTree>
     <p:extLst>
       <p:ext uri="{BB962C8B-B14F-4D97-AF65-F5344CB8AC3E}">
-        <p14:creationId xmlns:p14="http://schemas.microsoft.com/office/powerpoint/2010/main" xmlns="" val="292165593"/>
+        <p14:creationId xmlns:p14="http://schemas.microsoft.com/office/powerpoint/2010/main" val="292165593"/>
       </p:ext>
     </p:extLst>
   </p:cSld>
@@ -711,7 +713,7 @@
             <a:fld id="{3E6FC92F-7452-40A3-955F-E0DCEFCC011C}" type="datetimeFigureOut">
               <a:rPr lang="en-US" smtClean="0"/>
               <a:pPr/>
-              <a:t>12/11/2020</a:t>
+              <a:t>11/23/2022</a:t>
             </a:fld>
             <a:endParaRPr lang="en-US"/>
           </a:p>
@@ -801,7 +803,7 @@
     </p:spTree>
     <p:extLst>
       <p:ext uri="{BB962C8B-B14F-4D97-AF65-F5344CB8AC3E}">
-        <p14:creationId xmlns:p14="http://schemas.microsoft.com/office/powerpoint/2010/main" xmlns="" val="2024586074"/>
+        <p14:creationId xmlns:p14="http://schemas.microsoft.com/office/powerpoint/2010/main" val="2024586074"/>
       </p:ext>
     </p:extLst>
   </p:cSld>
@@ -921,7 +923,7 @@
             <a:fld id="{3E6FC92F-7452-40A3-955F-E0DCEFCC011C}" type="datetimeFigureOut">
               <a:rPr lang="en-US" smtClean="0"/>
               <a:pPr/>
-              <a:t>12/11/2020</a:t>
+              <a:t>11/23/2022</a:t>
             </a:fld>
             <a:endParaRPr lang="en-US"/>
           </a:p>
@@ -973,7 +975,7 @@
     </p:spTree>
     <p:extLst>
       <p:ext uri="{BB962C8B-B14F-4D97-AF65-F5344CB8AC3E}">
-        <p14:creationId xmlns:p14="http://schemas.microsoft.com/office/powerpoint/2010/main" xmlns="" val="4033471116"/>
+        <p14:creationId xmlns:p14="http://schemas.microsoft.com/office/powerpoint/2010/main" val="4033471116"/>
       </p:ext>
     </p:extLst>
   </p:cSld>
@@ -1179,7 +1181,7 @@
             <a:fld id="{3E6FC92F-7452-40A3-955F-E0DCEFCC011C}" type="datetimeFigureOut">
               <a:rPr lang="en-US" smtClean="0"/>
               <a:pPr/>
-              <a:t>12/11/2020</a:t>
+              <a:t>11/23/2022</a:t>
             </a:fld>
             <a:endParaRPr lang="en-US"/>
           </a:p>
@@ -1231,7 +1233,7 @@
     </p:spTree>
     <p:extLst>
       <p:ext uri="{BB962C8B-B14F-4D97-AF65-F5344CB8AC3E}">
-        <p14:creationId xmlns:p14="http://schemas.microsoft.com/office/powerpoint/2010/main" xmlns="" val="38884561"/>
+        <p14:creationId xmlns:p14="http://schemas.microsoft.com/office/powerpoint/2010/main" val="38884561"/>
       </p:ext>
     </p:extLst>
   </p:cSld>
@@ -1355,7 +1357,7 @@
             <a:fld id="{3E6FC92F-7452-40A3-955F-E0DCEFCC011C}" type="datetimeFigureOut">
               <a:rPr lang="en-US" smtClean="0"/>
               <a:pPr/>
-              <a:t>12/11/2020</a:t>
+              <a:t>11/23/2022</a:t>
             </a:fld>
             <a:endParaRPr lang="en-US"/>
           </a:p>
@@ -1407,7 +1409,7 @@
     </p:spTree>
     <p:extLst>
       <p:ext uri="{BB962C8B-B14F-4D97-AF65-F5344CB8AC3E}">
-        <p14:creationId xmlns:p14="http://schemas.microsoft.com/office/powerpoint/2010/main" xmlns="" val="1694223849"/>
+        <p14:creationId xmlns:p14="http://schemas.microsoft.com/office/powerpoint/2010/main" val="1694223849"/>
       </p:ext>
     </p:extLst>
   </p:cSld>
@@ -1700,7 +1702,7 @@
             <a:fld id="{3E6FC92F-7452-40A3-955F-E0DCEFCC011C}" type="datetimeFigureOut">
               <a:rPr lang="en-US" smtClean="0"/>
               <a:pPr/>
-              <a:t>12/11/2020</a:t>
+              <a:t>11/23/2022</a:t>
             </a:fld>
             <a:endParaRPr lang="en-US"/>
           </a:p>
@@ -1790,7 +1792,7 @@
     </p:spTree>
     <p:extLst>
       <p:ext uri="{BB962C8B-B14F-4D97-AF65-F5344CB8AC3E}">
-        <p14:creationId xmlns:p14="http://schemas.microsoft.com/office/powerpoint/2010/main" xmlns="" val="3377057874"/>
+        <p14:creationId xmlns:p14="http://schemas.microsoft.com/office/powerpoint/2010/main" val="3377057874"/>
       </p:ext>
     </p:extLst>
   </p:cSld>
@@ -1977,7 +1979,7 @@
             <a:fld id="{3E6FC92F-7452-40A3-955F-E0DCEFCC011C}" type="datetimeFigureOut">
               <a:rPr lang="en-US" smtClean="0"/>
               <a:pPr/>
-              <a:t>12/11/2020</a:t>
+              <a:t>11/23/2022</a:t>
             </a:fld>
             <a:endParaRPr lang="en-US"/>
           </a:p>
@@ -2029,7 +2031,7 @@
     </p:spTree>
     <p:extLst>
       <p:ext uri="{BB962C8B-B14F-4D97-AF65-F5344CB8AC3E}">
-        <p14:creationId xmlns:p14="http://schemas.microsoft.com/office/powerpoint/2010/main" xmlns="" val="4195493251"/>
+        <p14:creationId xmlns:p14="http://schemas.microsoft.com/office/powerpoint/2010/main" val="4195493251"/>
       </p:ext>
     </p:extLst>
   </p:cSld>
@@ -2358,7 +2360,7 @@
             <a:fld id="{3E6FC92F-7452-40A3-955F-E0DCEFCC011C}" type="datetimeFigureOut">
               <a:rPr lang="en-US" smtClean="0"/>
               <a:pPr/>
-              <a:t>12/11/2020</a:t>
+              <a:t>11/23/2022</a:t>
             </a:fld>
             <a:endParaRPr lang="en-US"/>
           </a:p>
@@ -2410,7 +2412,7 @@
     </p:spTree>
     <p:extLst>
       <p:ext uri="{BB962C8B-B14F-4D97-AF65-F5344CB8AC3E}">
-        <p14:creationId xmlns:p14="http://schemas.microsoft.com/office/powerpoint/2010/main" xmlns="" val="3751338206"/>
+        <p14:creationId xmlns:p14="http://schemas.microsoft.com/office/powerpoint/2010/main" val="3751338206"/>
       </p:ext>
     </p:extLst>
   </p:cSld>
@@ -2478,7 +2480,7 @@
             <a:fld id="{3E6FC92F-7452-40A3-955F-E0DCEFCC011C}" type="datetimeFigureOut">
               <a:rPr lang="en-US" smtClean="0"/>
               <a:pPr/>
-              <a:t>12/11/2020</a:t>
+              <a:t>11/23/2022</a:t>
             </a:fld>
             <a:endParaRPr lang="en-US"/>
           </a:p>
@@ -2530,7 +2532,7 @@
     </p:spTree>
     <p:extLst>
       <p:ext uri="{BB962C8B-B14F-4D97-AF65-F5344CB8AC3E}">
-        <p14:creationId xmlns:p14="http://schemas.microsoft.com/office/powerpoint/2010/main" xmlns="" val="2842442496"/>
+        <p14:creationId xmlns:p14="http://schemas.microsoft.com/office/powerpoint/2010/main" val="2842442496"/>
       </p:ext>
     </p:extLst>
   </p:cSld>
@@ -2651,7 +2653,7 @@
             <a:fld id="{3E6FC92F-7452-40A3-955F-E0DCEFCC011C}" type="datetimeFigureOut">
               <a:rPr lang="en-US" smtClean="0"/>
               <a:pPr/>
-              <a:t>12/11/2020</a:t>
+              <a:t>11/23/2022</a:t>
             </a:fld>
             <a:endParaRPr lang="en-US"/>
           </a:p>
@@ -2711,7 +2713,7 @@
     </p:spTree>
     <p:extLst>
       <p:ext uri="{BB962C8B-B14F-4D97-AF65-F5344CB8AC3E}">
-        <p14:creationId xmlns:p14="http://schemas.microsoft.com/office/powerpoint/2010/main" xmlns="" val="3346951535"/>
+        <p14:creationId xmlns:p14="http://schemas.microsoft.com/office/powerpoint/2010/main" val="3346951535"/>
       </p:ext>
     </p:extLst>
   </p:cSld>
@@ -3007,7 +3009,7 @@
             <a:fld id="{3E6FC92F-7452-40A3-955F-E0DCEFCC011C}" type="datetimeFigureOut">
               <a:rPr lang="en-US" smtClean="0"/>
               <a:pPr/>
-              <a:t>12/11/2020</a:t>
+              <a:t>11/23/2022</a:t>
             </a:fld>
             <a:endParaRPr lang="en-US"/>
           </a:p>
@@ -3080,7 +3082,7 @@
     </p:spTree>
     <p:extLst>
       <p:ext uri="{BB962C8B-B14F-4D97-AF65-F5344CB8AC3E}">
-        <p14:creationId xmlns:p14="http://schemas.microsoft.com/office/powerpoint/2010/main" xmlns="" val="3445811936"/>
+        <p14:creationId xmlns:p14="http://schemas.microsoft.com/office/powerpoint/2010/main" val="3445811936"/>
       </p:ext>
     </p:extLst>
   </p:cSld>
@@ -3391,7 +3393,7 @@
             <a:fld id="{3E6FC92F-7452-40A3-955F-E0DCEFCC011C}" type="datetimeFigureOut">
               <a:rPr lang="en-US" smtClean="0"/>
               <a:pPr/>
-              <a:t>12/11/2020</a:t>
+              <a:t>11/23/2022</a:t>
             </a:fld>
             <a:endParaRPr lang="en-US"/>
           </a:p>
@@ -3443,7 +3445,7 @@
     </p:spTree>
     <p:extLst>
       <p:ext uri="{BB962C8B-B14F-4D97-AF65-F5344CB8AC3E}">
-        <p14:creationId xmlns:p14="http://schemas.microsoft.com/office/powerpoint/2010/main" xmlns="" val="149755722"/>
+        <p14:creationId xmlns:p14="http://schemas.microsoft.com/office/powerpoint/2010/main" val="149755722"/>
       </p:ext>
     </p:extLst>
   </p:cSld>
@@ -3680,7 +3682,7 @@
             <a:fld id="{3E6FC92F-7452-40A3-955F-E0DCEFCC011C}" type="datetimeFigureOut">
               <a:rPr lang="en-US" smtClean="0"/>
               <a:pPr/>
-              <a:t>12/11/2020</a:t>
+              <a:t>11/23/2022</a:t>
             </a:fld>
             <a:endParaRPr lang="en-US"/>
           </a:p>
@@ -3802,7 +3804,7 @@
     </p:spTree>
     <p:extLst>
       <p:ext uri="{BB962C8B-B14F-4D97-AF65-F5344CB8AC3E}">
-        <p14:creationId xmlns:p14="http://schemas.microsoft.com/office/powerpoint/2010/main" xmlns="" val="105197266"/>
+        <p14:creationId xmlns:p14="http://schemas.microsoft.com/office/powerpoint/2010/main" val="105197266"/>
       </p:ext>
     </p:extLst>
   </p:cSld>
@@ -4398,7 +4400,7 @@
     </p:spTree>
     <p:extLst>
       <p:ext uri="{BB962C8B-B14F-4D97-AF65-F5344CB8AC3E}">
-        <p14:creationId xmlns:p14="http://schemas.microsoft.com/office/powerpoint/2010/main" xmlns="" val="691594518"/>
+        <p14:creationId xmlns:p14="http://schemas.microsoft.com/office/powerpoint/2010/main" val="691594518"/>
       </p:ext>
     </p:extLst>
   </p:cSld>
@@ -4437,7 +4439,7 @@
           <p:cNvPr id="3" name="Rectangle 4">
             <a:extLst>
               <a:ext uri="{FF2B5EF4-FFF2-40B4-BE49-F238E27FC236}">
-                <a16:creationId xmlns:a16="http://schemas.microsoft.com/office/drawing/2014/main" xmlns="" id="{395E71CB-00CA-4F1C-9557-9D57CB6D3187}"/>
+                <a16:creationId xmlns:a16="http://schemas.microsoft.com/office/drawing/2014/main" id="{395E71CB-00CA-4F1C-9557-9D57CB6D3187}"/>
               </a:ext>
             </a:extLst>
           </p:cNvPr>
@@ -4461,14 +4463,14 @@
           <a:effectLst/>
           <a:extLst>
             <a:ext uri="{909E8E84-426E-40DD-AFC4-6F175D3DCCD1}">
-              <a14:hiddenFill xmlns:a14="http://schemas.microsoft.com/office/drawing/2010/main" xmlns="">
+              <a14:hiddenFill xmlns:a14="http://schemas.microsoft.com/office/drawing/2010/main">
                 <a:solidFill>
                   <a:schemeClr val="accent1"/>
                 </a:solidFill>
               </a14:hiddenFill>
             </a:ext>
             <a:ext uri="{91240B29-F687-4F45-9708-019B960494DF}">
-              <a14:hiddenLine xmlns:a14="http://schemas.microsoft.com/office/drawing/2010/main" xmlns="" w="9525">
+              <a14:hiddenLine xmlns:a14="http://schemas.microsoft.com/office/drawing/2010/main" w="9525">
                 <a:solidFill>
                   <a:schemeClr val="tx1"/>
                 </a:solidFill>
@@ -4478,7 +4480,7 @@
               </a14:hiddenLine>
             </a:ext>
             <a:ext uri="{AF507438-7753-43E0-B8FC-AC1667EBCBE1}">
-              <a14:hiddenEffects xmlns:a14="http://schemas.microsoft.com/office/drawing/2010/main" xmlns="">
+              <a14:hiddenEffects xmlns:a14="http://schemas.microsoft.com/office/drawing/2010/main">
                 <a:effectLst>
                   <a:outerShdw dist="35921" dir="2700000" algn="ctr" rotWithShape="0">
                     <a:schemeClr val="bg2"/>
@@ -4836,7 +4838,7 @@
     </p:spTree>
     <p:extLst>
       <p:ext uri="{BB962C8B-B14F-4D97-AF65-F5344CB8AC3E}">
-        <p14:creationId xmlns:p14="http://schemas.microsoft.com/office/powerpoint/2010/main" xmlns="" val="3764447240"/>
+        <p14:creationId xmlns:p14="http://schemas.microsoft.com/office/powerpoint/2010/main" val="3764447240"/>
       </p:ext>
     </p:extLst>
   </p:cSld>
@@ -5700,7 +5702,7 @@
     </p:spTree>
     <p:extLst>
       <p:ext uri="{BB962C8B-B14F-4D97-AF65-F5344CB8AC3E}">
-        <p14:creationId xmlns:p14="http://schemas.microsoft.com/office/powerpoint/2010/main" xmlns="" val="3930131484"/>
+        <p14:creationId xmlns:p14="http://schemas.microsoft.com/office/powerpoint/2010/main" val="3930131484"/>
       </p:ext>
     </p:extLst>
   </p:cSld>
@@ -6256,7 +6258,7 @@
     </p:spTree>
     <p:extLst>
       <p:ext uri="{BB962C8B-B14F-4D97-AF65-F5344CB8AC3E}">
-        <p14:creationId xmlns:p14="http://schemas.microsoft.com/office/powerpoint/2010/main" xmlns="" val="662986297"/>
+        <p14:creationId xmlns:p14="http://schemas.microsoft.com/office/powerpoint/2010/main" val="662986297"/>
       </p:ext>
     </p:extLst>
   </p:cSld>
@@ -6812,7 +6814,7 @@
     </p:spTree>
     <p:extLst>
       <p:ext uri="{BB962C8B-B14F-4D97-AF65-F5344CB8AC3E}">
-        <p14:creationId xmlns:p14="http://schemas.microsoft.com/office/powerpoint/2010/main" xmlns="" val="170760903"/>
+        <p14:creationId xmlns:p14="http://schemas.microsoft.com/office/powerpoint/2010/main" val="170760903"/>
       </p:ext>
     </p:extLst>
   </p:cSld>
@@ -7477,7 +7479,7 @@
     </p:spTree>
     <p:extLst>
       <p:ext uri="{BB962C8B-B14F-4D97-AF65-F5344CB8AC3E}">
-        <p14:creationId xmlns:p14="http://schemas.microsoft.com/office/powerpoint/2010/main" xmlns="" val="3218452417"/>
+        <p14:creationId xmlns:p14="http://schemas.microsoft.com/office/powerpoint/2010/main" val="3218452417"/>
       </p:ext>
     </p:extLst>
   </p:cSld>
@@ -8237,7 +8239,585 @@
     </p:spTree>
     <p:extLst>
       <p:ext uri="{BB962C8B-B14F-4D97-AF65-F5344CB8AC3E}">
-        <p14:creationId xmlns:p14="http://schemas.microsoft.com/office/powerpoint/2010/main" xmlns="" val="3254647511"/>
+        <p14:creationId xmlns:p14="http://schemas.microsoft.com/office/powerpoint/2010/main" val="3254647511"/>
+      </p:ext>
+    </p:extLst>
+  </p:cSld>
+  <p:clrMapOvr>
+    <a:masterClrMapping/>
+  </p:clrMapOvr>
+  <p:timing>
+    <p:tnLst>
+      <p:par>
+        <p:cTn id="1" dur="indefinite" restart="never" nodeType="tmRoot"/>
+      </p:par>
+    </p:tnLst>
+  </p:timing>
+</p:sld>
+</file>
+
+<file path=ppt/slides/slide8.xml><?xml version="1.0" encoding="utf-8"?>
+<p:sld xmlns:a="http://schemas.openxmlformats.org/drawingml/2006/main" xmlns:r="http://schemas.openxmlformats.org/officeDocument/2006/relationships" xmlns:p="http://schemas.openxmlformats.org/presentationml/2006/main">
+  <p:cSld>
+    <p:spTree>
+      <p:nvGrpSpPr>
+        <p:cNvPr id="1" name=""/>
+        <p:cNvGrpSpPr/>
+        <p:nvPr/>
+      </p:nvGrpSpPr>
+      <p:grpSpPr>
+        <a:xfrm>
+          <a:off x="0" y="0"/>
+          <a:ext cx="0" cy="0"/>
+          <a:chOff x="0" y="0"/>
+          <a:chExt cx="0" cy="0"/>
+        </a:xfrm>
+      </p:grpSpPr>
+      <p:pic>
+        <p:nvPicPr>
+          <p:cNvPr id="4" name="Picture 3" descr="Related image"/>
+          <p:cNvPicPr/>
+          <p:nvPr/>
+        </p:nvPicPr>
+        <p:blipFill>
+          <a:blip r:embed="rId2"/>
+          <a:srcRect l="3793" t="21970" r="3781" b="23464"/>
+          <a:stretch>
+            <a:fillRect/>
+          </a:stretch>
+        </p:blipFill>
+        <p:spPr bwMode="auto">
+          <a:xfrm>
+            <a:off x="9144000" y="685800"/>
+            <a:ext cx="1905000" cy="990600"/>
+          </a:xfrm>
+          <a:prstGeom prst="rect">
+            <a:avLst/>
+          </a:prstGeom>
+          <a:noFill/>
+          <a:ln w="9525">
+            <a:noFill/>
+            <a:miter lim="800000"/>
+            <a:headEnd/>
+            <a:tailEnd/>
+          </a:ln>
+        </p:spPr>
+      </p:pic>
+      <p:sp>
+        <p:nvSpPr>
+          <p:cNvPr id="5" name="Title 1"/>
+          <p:cNvSpPr>
+            <a:spLocks noGrp="1"/>
+          </p:cNvSpPr>
+          <p:nvPr>
+            <p:ph type="title"/>
+          </p:nvPr>
+        </p:nvSpPr>
+        <p:spPr>
+          <a:xfrm>
+            <a:off x="1097280" y="286603"/>
+            <a:ext cx="10058400" cy="1450757"/>
+          </a:xfrm>
+        </p:spPr>
+        <p:txBody>
+          <a:bodyPr/>
+          <a:lstStyle/>
+          <a:p>
+            <a:r>
+              <a:rPr lang="en-US" dirty="0" smtClean="0">
+                <a:solidFill>
+                  <a:srgbClr val="002060"/>
+                </a:solidFill>
+              </a:rPr>
+              <a:t>Hamiltonian Problem</a:t>
+            </a:r>
+            <a:endParaRPr lang="en-US" dirty="0">
+              <a:solidFill>
+                <a:srgbClr val="002060"/>
+              </a:solidFill>
+            </a:endParaRPr>
+          </a:p>
+        </p:txBody>
+      </p:sp>
+      <p:sp>
+        <p:nvSpPr>
+          <p:cNvPr id="3" name="Rectangle 2"/>
+          <p:cNvSpPr/>
+          <p:nvPr/>
+        </p:nvSpPr>
+        <p:spPr>
+          <a:xfrm>
+            <a:off x="1219200" y="1752600"/>
+            <a:ext cx="10012680" cy="3693319"/>
+          </a:xfrm>
+          <a:prstGeom prst="rect">
+            <a:avLst/>
+          </a:prstGeom>
+        </p:spPr>
+        <p:txBody>
+          <a:bodyPr wrap="square">
+            <a:spAutoFit/>
+          </a:bodyPr>
+          <a:lstStyle/>
+          <a:p>
+            <a:pPr algn="just"/>
+            <a:r>
+              <a:rPr lang="en-US" sz="2000" u="sng" dirty="0">
+                <a:hlinkClick r:id="rId3"/>
+              </a:rPr>
+              <a:t>Hamiltonian Path</a:t>
+            </a:r>
+            <a:r>
+              <a:rPr lang="en-US" sz="2000" dirty="0"/>
+              <a:t> in an undirected graph is a path that visits each vertex exactly once. A Hamiltonian cycle (or Hamiltonian circuit) is a Hamiltonian Path such that there is an edge (in the graph) from the last vertex to the first vertex of the Hamiltonian Path. Determine whether a given graph contains Hamiltonian Cycle or not. If it contains, then prints the path. Following are the input and output of the required function</a:t>
+            </a:r>
+            <a:r>
+              <a:rPr lang="en-US" sz="2000" dirty="0" smtClean="0"/>
+              <a:t>.</a:t>
+            </a:r>
+          </a:p>
+          <a:p>
+            <a:pPr algn="just"/>
+            <a:endParaRPr lang="en-US" sz="2000" dirty="0"/>
+          </a:p>
+          <a:p>
+            <a:pPr algn="just"/>
+            <a:endParaRPr lang="en-US" sz="2000" dirty="0" smtClean="0"/>
+          </a:p>
+          <a:p>
+            <a:pPr algn="just"/>
+            <a:r>
+              <a:rPr lang="en-US" dirty="0"/>
+              <a:t>A Hamiltonian cycle (or Hamiltonian circuit) is </a:t>
+            </a:r>
+            <a:r>
+              <a:rPr lang="en-US" b="1" dirty="0"/>
+              <a:t>a Hamiltonian Path such that there is an edge (in the graph) from the last vertex to the first vertex of the Hamiltonian Path</a:t>
+            </a:r>
+            <a:r>
+              <a:rPr lang="en-US" dirty="0"/>
+              <a:t>. Determine whether a given graph contains Hamiltonian Cycle or not. If it contains, then prints the </a:t>
+            </a:r>
+            <a:r>
+              <a:rPr lang="en-US" dirty="0" smtClean="0"/>
+              <a:t>path</a:t>
+            </a:r>
+          </a:p>
+          <a:p>
+            <a:pPr algn="just"/>
+            <a:endParaRPr lang="en-US" sz="2000" dirty="0"/>
+          </a:p>
+          <a:p>
+            <a:pPr algn="just"/>
+            <a:endParaRPr lang="en-US" sz="2000" dirty="0" smtClean="0"/>
+          </a:p>
+        </p:txBody>
+      </p:sp>
+      <p:pic>
+        <p:nvPicPr>
+          <p:cNvPr id="1028" name="Picture 4" descr="https://www.tutorialspoint.com/assets/questions/images/193593-1531737375.jpg"/>
+          <p:cNvPicPr>
+            <a:picLocks noChangeAspect="1" noChangeArrowheads="1"/>
+          </p:cNvPicPr>
+          <p:nvPr/>
+        </p:nvPicPr>
+        <p:blipFill>
+          <a:blip r:embed="rId4">
+            <a:extLst>
+              <a:ext uri="{28A0092B-C50C-407E-A947-70E740481C1C}">
+                <a14:useLocalDpi xmlns:a14="http://schemas.microsoft.com/office/drawing/2010/main" val="0"/>
+              </a:ext>
+            </a:extLst>
+          </a:blip>
+          <a:srcRect/>
+          <a:stretch>
+            <a:fillRect/>
+          </a:stretch>
+        </p:blipFill>
+        <p:spPr bwMode="auto">
+          <a:xfrm>
+            <a:off x="3200400" y="4860474"/>
+            <a:ext cx="4286250" cy="1333501"/>
+          </a:xfrm>
+          <a:prstGeom prst="rect">
+            <a:avLst/>
+          </a:prstGeom>
+          <a:noFill/>
+          <a:extLst>
+            <a:ext uri="{909E8E84-426E-40DD-AFC4-6F175D3DCCD1}">
+              <a14:hiddenFill xmlns:a14="http://schemas.microsoft.com/office/drawing/2010/main">
+                <a:solidFill>
+                  <a:srgbClr val="FFFFFF"/>
+                </a:solidFill>
+              </a14:hiddenFill>
+            </a:ext>
+          </a:extLst>
+        </p:spPr>
+      </p:pic>
+    </p:spTree>
+    <p:extLst>
+      <p:ext uri="{BB962C8B-B14F-4D97-AF65-F5344CB8AC3E}">
+        <p14:creationId xmlns:p14="http://schemas.microsoft.com/office/powerpoint/2010/main" val="2559110134"/>
+      </p:ext>
+    </p:extLst>
+  </p:cSld>
+  <p:clrMapOvr>
+    <a:masterClrMapping/>
+  </p:clrMapOvr>
+  <p:timing>
+    <p:tnLst>
+      <p:par>
+        <p:cTn id="1" dur="indefinite" restart="never" nodeType="tmRoot"/>
+      </p:par>
+    </p:tnLst>
+  </p:timing>
+</p:sld>
+</file>
+
+<file path=ppt/slides/slide9.xml><?xml version="1.0" encoding="utf-8"?>
+<p:sld xmlns:a="http://schemas.openxmlformats.org/drawingml/2006/main" xmlns:r="http://schemas.openxmlformats.org/officeDocument/2006/relationships" xmlns:p="http://schemas.openxmlformats.org/presentationml/2006/main">
+  <p:cSld>
+    <p:spTree>
+      <p:nvGrpSpPr>
+        <p:cNvPr id="1" name=""/>
+        <p:cNvGrpSpPr/>
+        <p:nvPr/>
+      </p:nvGrpSpPr>
+      <p:grpSpPr>
+        <a:xfrm>
+          <a:off x="0" y="0"/>
+          <a:ext cx="0" cy="0"/>
+          <a:chOff x="0" y="0"/>
+          <a:chExt cx="0" cy="0"/>
+        </a:xfrm>
+      </p:grpSpPr>
+      <p:pic>
+        <p:nvPicPr>
+          <p:cNvPr id="4" name="Picture 3" descr="Related image"/>
+          <p:cNvPicPr/>
+          <p:nvPr/>
+        </p:nvPicPr>
+        <p:blipFill>
+          <a:blip r:embed="rId2"/>
+          <a:srcRect l="3793" t="21970" r="3781" b="23464"/>
+          <a:stretch>
+            <a:fillRect/>
+          </a:stretch>
+        </p:blipFill>
+        <p:spPr bwMode="auto">
+          <a:xfrm>
+            <a:off x="9144000" y="685800"/>
+            <a:ext cx="1905000" cy="990600"/>
+          </a:xfrm>
+          <a:prstGeom prst="rect">
+            <a:avLst/>
+          </a:prstGeom>
+          <a:noFill/>
+          <a:ln w="9525">
+            <a:noFill/>
+            <a:miter lim="800000"/>
+            <a:headEnd/>
+            <a:tailEnd/>
+          </a:ln>
+        </p:spPr>
+      </p:pic>
+      <p:sp>
+        <p:nvSpPr>
+          <p:cNvPr id="5" name="Title 1"/>
+          <p:cNvSpPr>
+            <a:spLocks noGrp="1"/>
+          </p:cNvSpPr>
+          <p:nvPr>
+            <p:ph type="title"/>
+          </p:nvPr>
+        </p:nvSpPr>
+        <p:spPr>
+          <a:xfrm>
+            <a:off x="1097280" y="286603"/>
+            <a:ext cx="10058400" cy="1450757"/>
+          </a:xfrm>
+        </p:spPr>
+        <p:txBody>
+          <a:bodyPr/>
+          <a:lstStyle/>
+          <a:p>
+            <a:r>
+              <a:rPr lang="en-US" dirty="0" smtClean="0">
+                <a:solidFill>
+                  <a:srgbClr val="002060"/>
+                </a:solidFill>
+              </a:rPr>
+              <a:t>Hamiltonian Problem</a:t>
+            </a:r>
+            <a:endParaRPr lang="en-US" dirty="0">
+              <a:solidFill>
+                <a:srgbClr val="002060"/>
+              </a:solidFill>
+            </a:endParaRPr>
+          </a:p>
+        </p:txBody>
+      </p:sp>
+      <p:pic>
+        <p:nvPicPr>
+          <p:cNvPr id="6" name="Picture 4" descr="https://www.tutorialspoint.com/assets/questions/images/193593-1531737375.jpg"/>
+          <p:cNvPicPr>
+            <a:picLocks noChangeAspect="1" noChangeArrowheads="1"/>
+          </p:cNvPicPr>
+          <p:nvPr/>
+        </p:nvPicPr>
+        <p:blipFill>
+          <a:blip r:embed="rId3">
+            <a:extLst>
+              <a:ext uri="{28A0092B-C50C-407E-A947-70E740481C1C}">
+                <a14:useLocalDpi xmlns:a14="http://schemas.microsoft.com/office/drawing/2010/main" val="0"/>
+              </a:ext>
+            </a:extLst>
+          </a:blip>
+          <a:srcRect/>
+          <a:stretch>
+            <a:fillRect/>
+          </a:stretch>
+        </p:blipFill>
+        <p:spPr bwMode="auto">
+          <a:xfrm>
+            <a:off x="3352800" y="2411638"/>
+            <a:ext cx="4286250" cy="1333501"/>
+          </a:xfrm>
+          <a:prstGeom prst="rect">
+            <a:avLst/>
+          </a:prstGeom>
+          <a:noFill/>
+          <a:extLst>
+            <a:ext uri="{909E8E84-426E-40DD-AFC4-6F175D3DCCD1}">
+              <a14:hiddenFill xmlns:a14="http://schemas.microsoft.com/office/drawing/2010/main">
+                <a:solidFill>
+                  <a:srgbClr val="FFFFFF"/>
+                </a:solidFill>
+              </a14:hiddenFill>
+            </a:ext>
+          </a:extLst>
+        </p:spPr>
+      </p:pic>
+      <p:sp>
+        <p:nvSpPr>
+          <p:cNvPr id="2" name="Rectangle 1"/>
+          <p:cNvSpPr>
+            <a:spLocks noChangeArrowheads="1"/>
+          </p:cNvSpPr>
+          <p:nvPr/>
+        </p:nvSpPr>
+        <p:spPr bwMode="auto">
+          <a:xfrm>
+            <a:off x="2819400" y="1840486"/>
+            <a:ext cx="5334000" cy="468026"/>
+          </a:xfrm>
+          <a:prstGeom prst="rect">
+            <a:avLst/>
+          </a:prstGeom>
+          <a:solidFill>
+            <a:srgbClr val="EEEEEE"/>
+          </a:solidFill>
+          <a:ln>
+            <a:noFill/>
+          </a:ln>
+          <a:effectLst/>
+          <a:extLst>
+            <a:ext uri="{91240B29-F687-4F45-9708-019B960494DF}">
+              <a14:hiddenLine xmlns:a14="http://schemas.microsoft.com/office/drawing/2010/main" w="9525">
+                <a:solidFill>
+                  <a:schemeClr val="tx1"/>
+                </a:solidFill>
+                <a:miter lim="800000"/>
+                <a:headEnd/>
+                <a:tailEnd/>
+              </a14:hiddenLine>
+            </a:ext>
+            <a:ext uri="{AF507438-7753-43E0-B8FC-AC1667EBCBE1}">
+              <a14:hiddenEffects xmlns:a14="http://schemas.microsoft.com/office/drawing/2010/main">
+                <a:effectLst>
+                  <a:outerShdw dist="35921" dir="2700000" algn="ctr" rotWithShape="0">
+                    <a:schemeClr val="bg2"/>
+                  </a:outerShdw>
+                </a:effectLst>
+              </a14:hiddenEffects>
+            </a:ext>
+          </a:extLst>
+        </p:spPr>
+        <p:txBody>
+          <a:bodyPr vert="horz" wrap="square" lIns="0" tIns="79350" rIns="0" bIns="79350" numCol="1" anchor="ctr" anchorCtr="0" compatLnSpc="1">
+            <a:prstTxWarp prst="textNoShape">
+              <a:avLst/>
+            </a:prstTxWarp>
+            <a:spAutoFit/>
+          </a:bodyPr>
+          <a:lstStyle/>
+          <a:p>
+            <a:pPr marL="0" marR="0" lvl="0" indent="0" algn="l" defTabSz="914400" rtl="0" eaLnBrk="0" fontAlgn="base" latinLnBrk="0" hangingPunct="0">
+              <a:lnSpc>
+                <a:spcPct val="100000"/>
+              </a:lnSpc>
+              <a:spcBef>
+                <a:spcPct val="0"/>
+              </a:spcBef>
+              <a:spcAft>
+                <a:spcPct val="0"/>
+              </a:spcAft>
+              <a:buClrTx/>
+              <a:buSzTx/>
+              <a:buFontTx/>
+              <a:buNone/>
+              <a:tabLst/>
+            </a:pPr>
+            <a:r>
+              <a:rPr kumimoji="0" lang="en-US" altLang="en-US" sz="2000" b="0" i="0" u="none" strike="noStrike" cap="none" normalizeH="0" baseline="0" dirty="0" smtClean="0">
+                <a:ln>
+                  <a:noFill/>
+                </a:ln>
+                <a:solidFill>
+                  <a:srgbClr val="000000"/>
+                </a:solidFill>
+                <a:effectLst/>
+                <a:latin typeface="var(--bs-font-monospace)"/>
+              </a:rPr>
+              <a:t>Input: The adjacency matrix of a graph G(V, E).</a:t>
+            </a:r>
+            <a:r>
+              <a:rPr kumimoji="0" lang="en-US" altLang="en-US" sz="2000" b="0" i="0" u="none" strike="noStrike" cap="none" normalizeH="0" baseline="0" dirty="0" smtClean="0">
+                <a:ln>
+                  <a:noFill/>
+                </a:ln>
+                <a:solidFill>
+                  <a:schemeClr val="tx1"/>
+                </a:solidFill>
+                <a:effectLst/>
+              </a:rPr>
+              <a:t> </a:t>
+            </a:r>
+            <a:endParaRPr kumimoji="0" lang="en-US" altLang="en-US" sz="2000" b="0" i="0" u="none" strike="noStrike" cap="none" normalizeH="0" baseline="0" dirty="0" smtClean="0">
+              <a:ln>
+                <a:noFill/>
+              </a:ln>
+              <a:solidFill>
+                <a:schemeClr val="tx1"/>
+              </a:solidFill>
+              <a:effectLst/>
+              <a:latin typeface="Arial" panose="020B0604020202020204" pitchFamily="34" charset="0"/>
+            </a:endParaRPr>
+          </a:p>
+        </p:txBody>
+      </p:sp>
+      <p:sp>
+        <p:nvSpPr>
+          <p:cNvPr id="7" name="Rectangle 2"/>
+          <p:cNvSpPr>
+            <a:spLocks noChangeArrowheads="1"/>
+          </p:cNvSpPr>
+          <p:nvPr/>
+        </p:nvSpPr>
+        <p:spPr bwMode="auto">
+          <a:xfrm>
+            <a:off x="1257300" y="4038600"/>
+            <a:ext cx="8839200" cy="1083579"/>
+          </a:xfrm>
+          <a:prstGeom prst="rect">
+            <a:avLst/>
+          </a:prstGeom>
+          <a:solidFill>
+            <a:srgbClr val="EEEEEE"/>
+          </a:solidFill>
+          <a:ln>
+            <a:noFill/>
+          </a:ln>
+          <a:effectLst/>
+          <a:extLst>
+            <a:ext uri="{91240B29-F687-4F45-9708-019B960494DF}">
+              <a14:hiddenLine xmlns:a14="http://schemas.microsoft.com/office/drawing/2010/main" w="9525">
+                <a:solidFill>
+                  <a:schemeClr val="tx1"/>
+                </a:solidFill>
+                <a:miter lim="800000"/>
+                <a:headEnd/>
+                <a:tailEnd/>
+              </a14:hiddenLine>
+            </a:ext>
+            <a:ext uri="{AF507438-7753-43E0-B8FC-AC1667EBCBE1}">
+              <a14:hiddenEffects xmlns:a14="http://schemas.microsoft.com/office/drawing/2010/main">
+                <a:effectLst>
+                  <a:outerShdw dist="35921" dir="2700000" algn="ctr" rotWithShape="0">
+                    <a:schemeClr val="bg2"/>
+                  </a:outerShdw>
+                </a:effectLst>
+              </a14:hiddenEffects>
+            </a:ext>
+          </a:extLst>
+        </p:spPr>
+        <p:txBody>
+          <a:bodyPr vert="horz" wrap="square" lIns="0" tIns="79350" rIns="0" bIns="79350" numCol="1" anchor="ctr" anchorCtr="0" compatLnSpc="1">
+            <a:prstTxWarp prst="textNoShape">
+              <a:avLst/>
+            </a:prstTxWarp>
+            <a:spAutoFit/>
+          </a:bodyPr>
+          <a:lstStyle/>
+          <a:p>
+            <a:pPr marL="0" marR="0" lvl="0" indent="0" algn="l" defTabSz="914400" rtl="0" eaLnBrk="0" fontAlgn="base" latinLnBrk="0" hangingPunct="0">
+              <a:lnSpc>
+                <a:spcPct val="100000"/>
+              </a:lnSpc>
+              <a:spcBef>
+                <a:spcPct val="0"/>
+              </a:spcBef>
+              <a:spcAft>
+                <a:spcPct val="0"/>
+              </a:spcAft>
+              <a:buClrTx/>
+              <a:buSzTx/>
+              <a:buFontTx/>
+              <a:buNone/>
+              <a:tabLst/>
+            </a:pPr>
+            <a:r>
+              <a:rPr kumimoji="0" lang="en-US" altLang="en-US" sz="2000" b="0" i="0" u="none" strike="noStrike" cap="none" normalizeH="0" baseline="0" dirty="0" smtClean="0">
+                <a:ln>
+                  <a:noFill/>
+                </a:ln>
+                <a:solidFill>
+                  <a:srgbClr val="000000"/>
+                </a:solidFill>
+                <a:effectLst/>
+                <a:latin typeface="var(--bs-font-monospace)"/>
+              </a:rPr>
+              <a:t>Output: The algorithm finds the Hamiltonian path of the given graph. For this case it is (0, 1, 2, 4, 3, 0). This graph has some other Hamiltonian paths. If one graph has no Hamiltonian path, the algorithm should return false.</a:t>
+            </a:r>
+            <a:r>
+              <a:rPr kumimoji="0" lang="en-US" altLang="en-US" sz="2000" b="0" i="0" u="none" strike="noStrike" cap="none" normalizeH="0" baseline="0" dirty="0" smtClean="0">
+                <a:ln>
+                  <a:noFill/>
+                </a:ln>
+                <a:solidFill>
+                  <a:schemeClr val="tx1"/>
+                </a:solidFill>
+                <a:effectLst/>
+              </a:rPr>
+              <a:t> </a:t>
+            </a:r>
+            <a:endParaRPr kumimoji="0" lang="en-US" altLang="en-US" sz="2000" b="0" i="0" u="none" strike="noStrike" cap="none" normalizeH="0" baseline="0" dirty="0" smtClean="0">
+              <a:ln>
+                <a:noFill/>
+              </a:ln>
+              <a:solidFill>
+                <a:schemeClr val="tx1"/>
+              </a:solidFill>
+              <a:effectLst/>
+              <a:latin typeface="Arial" panose="020B0604020202020204" pitchFamily="34" charset="0"/>
+            </a:endParaRPr>
+          </a:p>
+        </p:txBody>
+      </p:sp>
+    </p:spTree>
+    <p:extLst>
+      <p:ext uri="{BB962C8B-B14F-4D97-AF65-F5344CB8AC3E}">
+        <p14:creationId xmlns:p14="http://schemas.microsoft.com/office/powerpoint/2010/main" val="316284393"/>
       </p:ext>
     </p:extLst>
   </p:cSld>
@@ -8531,7 +9111,7 @@
   <a:extraClrSchemeLst/>
   <a:extLst>
     <a:ext uri="{05A4C25C-085E-4340-85A3-A5531E510DB2}">
-      <thm15:themeFamily xmlns:thm15="http://schemas.microsoft.com/office/thememl/2012/main" xmlns="" name="Retrospect" id="{5F128B03-DCCA-4EEB-AB3B-CF2899314A46}" vid="{3F1AAB62-24C6-49D2-8E01-B56FAC9A3DCD}"/>
+      <thm15:themeFamily xmlns:thm15="http://schemas.microsoft.com/office/thememl/2012/main" name="Retrospect" id="{5F128B03-DCCA-4EEB-AB3B-CF2899314A46}" vid="{3F1AAB62-24C6-49D2-8E01-B56FAC9A3DCD}"/>
     </a:ext>
   </a:extLst>
 </a:theme>
@@ -8792,7 +9372,7 @@
   <a:extraClrSchemeLst/>
   <a:extLst>
     <a:ext uri="{05A4C25C-085E-4340-85A3-A5531E510DB2}">
-      <thm15:themeFamily xmlns:thm15="http://schemas.microsoft.com/office/thememl/2012/main" xmlns="" name="Office Theme" id="{62F939B6-93AF-4DB8-9C6B-D6C7DFDC589F}" vid="{4A3C46E8-61CC-4603-A589-7422A47A8E4A}"/>
+      <thm15:themeFamily xmlns:thm15="http://schemas.microsoft.com/office/thememl/2012/main" name="Office Theme" id="{62F939B6-93AF-4DB8-9C6B-D6C7DFDC589F}" vid="{4A3C46E8-61CC-4603-A589-7422A47A8E4A}"/>
     </a:ext>
   </a:extLst>
 </a:theme>
